--- a/JAVA PPT/Day6.pptx
+++ b/JAVA PPT/Day6.pptx
@@ -252,6 +252,22 @@
       </a:defRPr>
     </a:lvl9pPr>
   </p:defaultTextStyle>
+  <p:extLst>
+    <p:ext uri="{EFAFB233-063F-42B5-8137-9DF3F51BA10A}">
+      <p15:sldGuideLst xmlns:p15="http://schemas.microsoft.com/office/powerpoint/2012/main">
+        <p15:guide id="1" orient="horz" pos="1620" userDrawn="1">
+          <p15:clr>
+            <a:srgbClr val="A4A3A4"/>
+          </p15:clr>
+        </p15:guide>
+        <p15:guide id="2" pos="2876" userDrawn="1">
+          <p15:clr>
+            <a:srgbClr val="A4A3A4"/>
+          </p15:clr>
+        </p15:guide>
+      </p15:sldGuideLst>
+    </p:ext>
+  </p:extLst>
 </p:presentation>
 </file>
 
@@ -10179,31 +10195,6 @@
           </a:p>
         </p:txBody>
       </p:sp>
-      <p:pic>
-        <p:nvPicPr>
-          <p:cNvPr id="3" name="Picture 2" descr="else if ladder"/>
-          <p:cNvPicPr>
-            <a:picLocks noChangeAspect="1"/>
-          </p:cNvPicPr>
-          <p:nvPr/>
-        </p:nvPicPr>
-        <p:blipFill>
-          <a:blip r:embed="rId1"/>
-          <a:srcRect l="6128" t="4111" r="5503" b="4296"/>
-          <a:stretch>
-            <a:fillRect/>
-          </a:stretch>
-        </p:blipFill>
-        <p:spPr>
-          <a:xfrm>
-            <a:off x="5237480" y="91440"/>
-            <a:ext cx="3772535" cy="4711065"/>
-          </a:xfrm>
-          <a:prstGeom prst="rect">
-            <a:avLst/>
-          </a:prstGeom>
-        </p:spPr>
-      </p:pic>
       <p:sp>
         <p:nvSpPr>
           <p:cNvPr id="460" name="Google Shape;460;p27"/>
@@ -10254,6 +10245,35 @@
           </a:p>
         </p:txBody>
       </p:sp>
+      <p:pic>
+        <p:nvPicPr>
+          <p:cNvPr id="2" name="Picture 1"/>
+          <p:cNvPicPr>
+            <a:picLocks noChangeAspect="1"/>
+          </p:cNvPicPr>
+          <p:nvPr>
+            <p:custDataLst>
+              <p:tags r:id="rId1"/>
+            </p:custDataLst>
+          </p:nvPr>
+        </p:nvPicPr>
+        <p:blipFill>
+          <a:blip r:embed="rId2"/>
+          <a:srcRect l="4670" t="5916" r="4917" b="6749"/>
+          <a:stretch>
+            <a:fillRect/>
+          </a:stretch>
+        </p:blipFill>
+        <p:spPr>
+          <a:xfrm>
+            <a:off x="4828540" y="300990"/>
+            <a:ext cx="3587750" cy="4228465"/>
+          </a:xfrm>
+          <a:prstGeom prst="rect">
+            <a:avLst/>
+          </a:prstGeom>
+        </p:spPr>
+      </p:pic>
     </p:spTree>
   </p:cSld>
   <p:clrMapOvr>
@@ -10316,59 +10336,6 @@
                                               <p:pRg st="0" end="0"/>
                                             </p:txEl>
                                           </p:spTgt>
-                                        </p:tgtEl>
-                                      </p:cBhvr>
-                                    </p:animEffect>
-                                  </p:childTnLst>
-                                </p:cTn>
-                              </p:par>
-                            </p:childTnLst>
-                          </p:cTn>
-                        </p:par>
-                      </p:childTnLst>
-                    </p:cTn>
-                  </p:par>
-                  <p:par>
-                    <p:cTn id="8" fill="hold">
-                      <p:stCondLst>
-                        <p:cond delay="indefinite"/>
-                      </p:stCondLst>
-                      <p:childTnLst>
-                        <p:par>
-                          <p:cTn id="9" fill="hold">
-                            <p:stCondLst>
-                              <p:cond delay="0"/>
-                            </p:stCondLst>
-                            <p:childTnLst>
-                              <p:par>
-                                <p:cTn id="10" presetID="10" presetClass="entr" presetSubtype="0" fill="hold" nodeType="clickEffect">
-                                  <p:stCondLst>
-                                    <p:cond delay="0"/>
-                                  </p:stCondLst>
-                                  <p:childTnLst>
-                                    <p:set>
-                                      <p:cBhvr>
-                                        <p:cTn id="11" dur="1" fill="hold">
-                                          <p:stCondLst>
-                                            <p:cond delay="0"/>
-                                          </p:stCondLst>
-                                        </p:cTn>
-                                        <p:tgtEl>
-                                          <p:spTgt spid="3"/>
-                                        </p:tgtEl>
-                                        <p:attrNameLst>
-                                          <p:attrName>style.visibility</p:attrName>
-                                        </p:attrNameLst>
-                                      </p:cBhvr>
-                                      <p:to>
-                                        <p:strVal val="visible"/>
-                                      </p:to>
-                                    </p:set>
-                                    <p:animEffect transition="in" filter="fade">
-                                      <p:cBhvr>
-                                        <p:cTn id="12" dur="500"/>
-                                        <p:tgtEl>
-                                          <p:spTgt spid="3"/>
                                         </p:tgtEl>
                                       </p:cBhvr>
                                     </p:animEffect>
@@ -12102,31 +12069,6 @@
           </a:p>
         </p:txBody>
       </p:sp>
-      <p:pic>
-        <p:nvPicPr>
-          <p:cNvPr id="3" name="Picture 2" descr="switch case"/>
-          <p:cNvPicPr>
-            <a:picLocks noChangeAspect="1"/>
-          </p:cNvPicPr>
-          <p:nvPr/>
-        </p:nvPicPr>
-        <p:blipFill>
-          <a:blip r:embed="rId1"/>
-          <a:srcRect l="4420" t="3963" r="5292" b="4296"/>
-          <a:stretch>
-            <a:fillRect/>
-          </a:stretch>
-        </p:blipFill>
-        <p:spPr>
-          <a:xfrm>
-            <a:off x="4797425" y="212725"/>
-            <a:ext cx="3748405" cy="4718685"/>
-          </a:xfrm>
-          <a:prstGeom prst="rect">
-            <a:avLst/>
-          </a:prstGeom>
-        </p:spPr>
-      </p:pic>
       <p:sp>
         <p:nvSpPr>
           <p:cNvPr id="460" name="Google Shape;460;p27"/>
@@ -12177,6 +12119,35 @@
           </a:p>
         </p:txBody>
       </p:sp>
+      <p:pic>
+        <p:nvPicPr>
+          <p:cNvPr id="6" name="Picture 5"/>
+          <p:cNvPicPr>
+            <a:picLocks noChangeAspect="1"/>
+          </p:cNvPicPr>
+          <p:nvPr>
+            <p:custDataLst>
+              <p:tags r:id="rId1"/>
+            </p:custDataLst>
+          </p:nvPr>
+        </p:nvPicPr>
+        <p:blipFill>
+          <a:blip r:embed="rId2"/>
+          <a:srcRect l="4680" t="6042" r="4620" b="5238"/>
+          <a:stretch>
+            <a:fillRect/>
+          </a:stretch>
+        </p:blipFill>
+        <p:spPr>
+          <a:xfrm>
+            <a:off x="4858385" y="270510"/>
+            <a:ext cx="3827145" cy="4208145"/>
+          </a:xfrm>
+          <a:prstGeom prst="rect">
+            <a:avLst/>
+          </a:prstGeom>
+        </p:spPr>
+      </p:pic>
     </p:spTree>
   </p:cSld>
   <p:clrMapOvr>
@@ -12251,67 +12222,14 @@
                             </p:childTnLst>
                           </p:cTn>
                         </p:par>
-                      </p:childTnLst>
-                    </p:cTn>
-                  </p:par>
-                  <p:par>
-                    <p:cTn id="8" fill="hold">
-                      <p:stCondLst>
-                        <p:cond delay="indefinite"/>
-                      </p:stCondLst>
-                      <p:childTnLst>
                         <p:par>
-                          <p:cTn id="9" fill="hold">
+                          <p:cTn id="8" fill="hold">
                             <p:stCondLst>
-                              <p:cond delay="0"/>
+                              <p:cond delay="1549"/>
                             </p:stCondLst>
                             <p:childTnLst>
                               <p:par>
-                                <p:cTn id="10" presetID="10" presetClass="entr" presetSubtype="0" fill="hold" nodeType="clickEffect">
-                                  <p:stCondLst>
-                                    <p:cond delay="0"/>
-                                  </p:stCondLst>
-                                  <p:childTnLst>
-                                    <p:set>
-                                      <p:cBhvr>
-                                        <p:cTn id="11" dur="1" fill="hold">
-                                          <p:stCondLst>
-                                            <p:cond delay="0"/>
-                                          </p:stCondLst>
-                                        </p:cTn>
-                                        <p:tgtEl>
-                                          <p:spTgt spid="3"/>
-                                        </p:tgtEl>
-                                        <p:attrNameLst>
-                                          <p:attrName>style.visibility</p:attrName>
-                                        </p:attrNameLst>
-                                      </p:cBhvr>
-                                      <p:to>
-                                        <p:strVal val="visible"/>
-                                      </p:to>
-                                    </p:set>
-                                    <p:animEffect transition="in" filter="fade">
-                                      <p:cBhvr>
-                                        <p:cTn id="12" dur="500"/>
-                                        <p:tgtEl>
-                                          <p:spTgt spid="3"/>
-                                        </p:tgtEl>
-                                      </p:cBhvr>
-                                    </p:animEffect>
-                                  </p:childTnLst>
-                                </p:cTn>
-                              </p:par>
-                            </p:childTnLst>
-                          </p:cTn>
-                        </p:par>
-                        <p:par>
-                          <p:cTn id="13" fill="hold">
-                            <p:stCondLst>
-                              <p:cond delay="500"/>
-                            </p:stCondLst>
-                            <p:childTnLst>
-                              <p:par>
-                                <p:cTn id="14" presetID="10" presetClass="entr" presetSubtype="0" fill="hold" nodeType="afterEffect">
+                                <p:cTn id="9" presetID="10" presetClass="entr" presetSubtype="0" fill="hold" nodeType="afterEffect">
                                   <p:stCondLst>
                                     <p:cond delay="0"/>
                                   </p:stCondLst>
@@ -12321,7 +12239,7 @@
                                   <p:childTnLst>
                                     <p:set>
                                       <p:cBhvr>
-                                        <p:cTn id="15" dur="1" fill="hold">
+                                        <p:cTn id="10" dur="1" fill="hold">
                                           <p:stCondLst>
                                             <p:cond delay="0"/>
                                           </p:stCondLst>
@@ -12343,7 +12261,7 @@
                                     </p:set>
                                     <p:animEffect transition="in" filter="fade">
                                       <p:cBhvr>
-                                        <p:cTn id="16" dur="500"/>
+                                        <p:cTn id="11" dur="500"/>
                                         <p:tgtEl>
                                           <p:spTgt spid="2">
                                             <p:txEl>
@@ -12360,13 +12278,13 @@
                           </p:cTn>
                         </p:par>
                         <p:par>
-                          <p:cTn id="17" fill="hold">
+                          <p:cTn id="12" fill="hold">
                             <p:stCondLst>
-                              <p:cond delay="2200"/>
+                              <p:cond delay="3250"/>
                             </p:stCondLst>
                             <p:childTnLst>
                               <p:par>
-                                <p:cTn id="18" presetID="10" presetClass="entr" presetSubtype="0" fill="hold" nodeType="afterEffect">
+                                <p:cTn id="13" presetID="10" presetClass="entr" presetSubtype="0" fill="hold" nodeType="afterEffect">
                                   <p:stCondLst>
                                     <p:cond delay="0"/>
                                   </p:stCondLst>
@@ -12376,7 +12294,7 @@
                                   <p:childTnLst>
                                     <p:set>
                                       <p:cBhvr>
-                                        <p:cTn id="19" dur="1" fill="hold">
+                                        <p:cTn id="14" dur="1" fill="hold">
                                           <p:stCondLst>
                                             <p:cond delay="0"/>
                                           </p:stCondLst>
@@ -12398,7 +12316,7 @@
                                     </p:set>
                                     <p:animEffect transition="in" filter="fade">
                                       <p:cBhvr>
-                                        <p:cTn id="20" dur="500"/>
+                                        <p:cTn id="15" dur="500"/>
                                         <p:tgtEl>
                                           <p:spTgt spid="2">
                                             <p:txEl>
@@ -12415,13 +12333,13 @@
                           </p:cTn>
                         </p:par>
                         <p:par>
-                          <p:cTn id="21" fill="hold">
+                          <p:cTn id="16" fill="hold">
                             <p:stCondLst>
-                              <p:cond delay="3050"/>
+                              <p:cond delay="4100"/>
                             </p:stCondLst>
                             <p:childTnLst>
                               <p:par>
-                                <p:cTn id="22" presetID="10" presetClass="entr" presetSubtype="0" fill="hold" nodeType="afterEffect">
+                                <p:cTn id="17" presetID="10" presetClass="entr" presetSubtype="0" fill="hold" nodeType="afterEffect">
                                   <p:stCondLst>
                                     <p:cond delay="0"/>
                                   </p:stCondLst>
@@ -12431,7 +12349,7 @@
                                   <p:childTnLst>
                                     <p:set>
                                       <p:cBhvr>
-                                        <p:cTn id="23" dur="1" fill="hold">
+                                        <p:cTn id="18" dur="1" fill="hold">
                                           <p:stCondLst>
                                             <p:cond delay="0"/>
                                           </p:stCondLst>
@@ -12453,7 +12371,7 @@
                                     </p:set>
                                     <p:animEffect transition="in" filter="fade">
                                       <p:cBhvr>
-                                        <p:cTn id="24" dur="500"/>
+                                        <p:cTn id="19" dur="500"/>
                                         <p:tgtEl>
                                           <p:spTgt spid="2">
                                             <p:txEl>
@@ -12470,13 +12388,13 @@
                           </p:cTn>
                         </p:par>
                         <p:par>
-                          <p:cTn id="25" fill="hold">
+                          <p:cTn id="20" fill="hold">
                             <p:stCondLst>
-                              <p:cond delay="4600"/>
+                              <p:cond delay="5650"/>
                             </p:stCondLst>
                             <p:childTnLst>
                               <p:par>
-                                <p:cTn id="26" presetID="10" presetClass="entr" presetSubtype="0" fill="hold" nodeType="afterEffect">
+                                <p:cTn id="21" presetID="10" presetClass="entr" presetSubtype="0" fill="hold" nodeType="afterEffect">
                                   <p:stCondLst>
                                     <p:cond delay="0"/>
                                   </p:stCondLst>
@@ -12486,7 +12404,7 @@
                                   <p:childTnLst>
                                     <p:set>
                                       <p:cBhvr>
-                                        <p:cTn id="27" dur="1" fill="hold">
+                                        <p:cTn id="22" dur="1" fill="hold">
                                           <p:stCondLst>
                                             <p:cond delay="0"/>
                                           </p:stCondLst>
@@ -12508,7 +12426,7 @@
                                     </p:set>
                                     <p:animEffect transition="in" filter="fade">
                                       <p:cBhvr>
-                                        <p:cTn id="28" dur="500"/>
+                                        <p:cTn id="23" dur="500"/>
                                         <p:tgtEl>
                                           <p:spTgt spid="2">
                                             <p:txEl>
@@ -12525,13 +12443,13 @@
                           </p:cTn>
                         </p:par>
                         <p:par>
-                          <p:cTn id="29" fill="hold">
+                          <p:cTn id="24" fill="hold">
                             <p:stCondLst>
-                              <p:cond delay="5850"/>
+                              <p:cond delay="6900"/>
                             </p:stCondLst>
                             <p:childTnLst>
                               <p:par>
-                                <p:cTn id="30" presetID="10" presetClass="entr" presetSubtype="0" fill="hold" nodeType="afterEffect">
+                                <p:cTn id="25" presetID="10" presetClass="entr" presetSubtype="0" fill="hold" nodeType="afterEffect">
                                   <p:stCondLst>
                                     <p:cond delay="0"/>
                                   </p:stCondLst>
@@ -12541,7 +12459,7 @@
                                   <p:childTnLst>
                                     <p:set>
                                       <p:cBhvr>
-                                        <p:cTn id="31" dur="1" fill="hold">
+                                        <p:cTn id="26" dur="1" fill="hold">
                                           <p:stCondLst>
                                             <p:cond delay="0"/>
                                           </p:stCondLst>
@@ -12563,7 +12481,7 @@
                                     </p:set>
                                     <p:animEffect transition="in" filter="fade">
                                       <p:cBhvr>
-                                        <p:cTn id="32" dur="500"/>
+                                        <p:cTn id="27" dur="500"/>
                                         <p:tgtEl>
                                           <p:spTgt spid="2">
                                             <p:txEl>
@@ -12580,13 +12498,13 @@
                           </p:cTn>
                         </p:par>
                         <p:par>
-                          <p:cTn id="33" fill="hold">
+                          <p:cTn id="28" fill="hold">
                             <p:stCondLst>
-                              <p:cond delay="6350"/>
+                              <p:cond delay="7400"/>
                             </p:stCondLst>
                             <p:childTnLst>
                               <p:par>
-                                <p:cTn id="34" presetID="10" presetClass="entr" presetSubtype="0" fill="hold" nodeType="afterEffect">
+                                <p:cTn id="29" presetID="10" presetClass="entr" presetSubtype="0" fill="hold" nodeType="afterEffect">
                                   <p:stCondLst>
                                     <p:cond delay="0"/>
                                   </p:stCondLst>
@@ -12596,7 +12514,7 @@
                                   <p:childTnLst>
                                     <p:set>
                                       <p:cBhvr>
-                                        <p:cTn id="35" dur="1" fill="hold">
+                                        <p:cTn id="30" dur="1" fill="hold">
                                           <p:stCondLst>
                                             <p:cond delay="0"/>
                                           </p:stCondLst>
@@ -12618,7 +12536,7 @@
                                     </p:set>
                                     <p:animEffect transition="in" filter="fade">
                                       <p:cBhvr>
-                                        <p:cTn id="36" dur="500"/>
+                                        <p:cTn id="31" dur="500"/>
                                         <p:tgtEl>
                                           <p:spTgt spid="2">
                                             <p:txEl>
@@ -12635,13 +12553,13 @@
                           </p:cTn>
                         </p:par>
                         <p:par>
-                          <p:cTn id="37" fill="hold">
+                          <p:cTn id="32" fill="hold">
                             <p:stCondLst>
-                              <p:cond delay="7199"/>
+                              <p:cond delay="8250"/>
                             </p:stCondLst>
                             <p:childTnLst>
                               <p:par>
-                                <p:cTn id="38" presetID="10" presetClass="entr" presetSubtype="0" fill="hold" nodeType="afterEffect">
+                                <p:cTn id="33" presetID="10" presetClass="entr" presetSubtype="0" fill="hold" nodeType="afterEffect">
                                   <p:stCondLst>
                                     <p:cond delay="0"/>
                                   </p:stCondLst>
@@ -12651,7 +12569,7 @@
                                   <p:childTnLst>
                                     <p:set>
                                       <p:cBhvr>
-                                        <p:cTn id="39" dur="1" fill="hold">
+                                        <p:cTn id="34" dur="1" fill="hold">
                                           <p:stCondLst>
                                             <p:cond delay="0"/>
                                           </p:stCondLst>
@@ -12673,7 +12591,7 @@
                                     </p:set>
                                     <p:animEffect transition="in" filter="fade">
                                       <p:cBhvr>
-                                        <p:cTn id="40" dur="500"/>
+                                        <p:cTn id="35" dur="500"/>
                                         <p:tgtEl>
                                           <p:spTgt spid="2">
                                             <p:txEl>
@@ -12690,13 +12608,13 @@
                           </p:cTn>
                         </p:par>
                         <p:par>
-                          <p:cTn id="41" fill="hold">
+                          <p:cTn id="36" fill="hold">
                             <p:stCondLst>
-                              <p:cond delay="8750"/>
+                              <p:cond delay="9800"/>
                             </p:stCondLst>
                             <p:childTnLst>
                               <p:par>
-                                <p:cTn id="42" presetID="10" presetClass="entr" presetSubtype="0" fill="hold" nodeType="afterEffect">
+                                <p:cTn id="37" presetID="10" presetClass="entr" presetSubtype="0" fill="hold" nodeType="afterEffect">
                                   <p:stCondLst>
                                     <p:cond delay="0"/>
                                   </p:stCondLst>
@@ -12706,7 +12624,7 @@
                                   <p:childTnLst>
                                     <p:set>
                                       <p:cBhvr>
-                                        <p:cTn id="43" dur="1" fill="hold">
+                                        <p:cTn id="38" dur="1" fill="hold">
                                           <p:stCondLst>
                                             <p:cond delay="0"/>
                                           </p:stCondLst>
@@ -12728,7 +12646,7 @@
                                     </p:set>
                                     <p:animEffect transition="in" filter="fade">
                                       <p:cBhvr>
-                                        <p:cTn id="44" dur="500"/>
+                                        <p:cTn id="39" dur="500"/>
                                         <p:tgtEl>
                                           <p:spTgt spid="2">
                                             <p:txEl>
@@ -12745,13 +12663,13 @@
                           </p:cTn>
                         </p:par>
                         <p:par>
-                          <p:cTn id="45" fill="hold">
+                          <p:cTn id="40" fill="hold">
                             <p:stCondLst>
-                              <p:cond delay="10000"/>
+                              <p:cond delay="11050"/>
                             </p:stCondLst>
                             <p:childTnLst>
                               <p:par>
-                                <p:cTn id="46" presetID="10" presetClass="entr" presetSubtype="0" fill="hold" nodeType="afterEffect">
+                                <p:cTn id="41" presetID="10" presetClass="entr" presetSubtype="0" fill="hold" nodeType="afterEffect">
                                   <p:stCondLst>
                                     <p:cond delay="0"/>
                                   </p:stCondLst>
@@ -12761,7 +12679,7 @@
                                   <p:childTnLst>
                                     <p:set>
                                       <p:cBhvr>
-                                        <p:cTn id="47" dur="1" fill="hold">
+                                        <p:cTn id="42" dur="1" fill="hold">
                                           <p:stCondLst>
                                             <p:cond delay="0"/>
                                           </p:stCondLst>
@@ -12783,7 +12701,7 @@
                                     </p:set>
                                     <p:animEffect transition="in" filter="fade">
                                       <p:cBhvr>
-                                        <p:cTn id="48" dur="500"/>
+                                        <p:cTn id="43" dur="500"/>
                                         <p:tgtEl>
                                           <p:spTgt spid="2">
                                             <p:txEl>
@@ -12800,13 +12718,13 @@
                           </p:cTn>
                         </p:par>
                         <p:par>
-                          <p:cTn id="49" fill="hold">
+                          <p:cTn id="44" fill="hold">
                             <p:stCondLst>
-                              <p:cond delay="10500"/>
+                              <p:cond delay="11550"/>
                             </p:stCondLst>
                             <p:childTnLst>
                               <p:par>
-                                <p:cTn id="50" presetID="10" presetClass="entr" presetSubtype="0" fill="hold" nodeType="afterEffect">
+                                <p:cTn id="45" presetID="10" presetClass="entr" presetSubtype="0" fill="hold" nodeType="afterEffect">
                                   <p:stCondLst>
                                     <p:cond delay="0"/>
                                   </p:stCondLst>
@@ -12816,7 +12734,7 @@
                                   <p:childTnLst>
                                     <p:set>
                                       <p:cBhvr>
-                                        <p:cTn id="51" dur="1" fill="hold">
+                                        <p:cTn id="46" dur="1" fill="hold">
                                           <p:stCondLst>
                                             <p:cond delay="0"/>
                                           </p:stCondLst>
@@ -12838,7 +12756,7 @@
                                     </p:set>
                                     <p:animEffect transition="in" filter="fade">
                                       <p:cBhvr>
-                                        <p:cTn id="52" dur="500"/>
+                                        <p:cTn id="47" dur="500"/>
                                         <p:tgtEl>
                                           <p:spTgt spid="2">
                                             <p:txEl>
@@ -12855,13 +12773,13 @@
                           </p:cTn>
                         </p:par>
                         <p:par>
-                          <p:cTn id="53" fill="hold">
+                          <p:cTn id="48" fill="hold">
                             <p:stCondLst>
-                              <p:cond delay="11349"/>
+                              <p:cond delay="12399"/>
                             </p:stCondLst>
                             <p:childTnLst>
                               <p:par>
-                                <p:cTn id="54" presetID="10" presetClass="entr" presetSubtype="0" fill="hold" nodeType="afterEffect">
+                                <p:cTn id="49" presetID="10" presetClass="entr" presetSubtype="0" fill="hold" nodeType="afterEffect">
                                   <p:stCondLst>
                                     <p:cond delay="0"/>
                                   </p:stCondLst>
@@ -12871,7 +12789,7 @@
                                   <p:childTnLst>
                                     <p:set>
                                       <p:cBhvr>
-                                        <p:cTn id="55" dur="1" fill="hold">
+                                        <p:cTn id="50" dur="1" fill="hold">
                                           <p:stCondLst>
                                             <p:cond delay="0"/>
                                           </p:stCondLst>
@@ -12893,7 +12811,7 @@
                                     </p:set>
                                     <p:animEffect transition="in" filter="fade">
                                       <p:cBhvr>
-                                        <p:cTn id="56" dur="500"/>
+                                        <p:cTn id="51" dur="500"/>
                                         <p:tgtEl>
                                           <p:spTgt spid="2">
                                             <p:txEl>
@@ -12910,13 +12828,13 @@
                           </p:cTn>
                         </p:par>
                         <p:par>
-                          <p:cTn id="57" fill="hold">
+                          <p:cTn id="52" fill="hold">
                             <p:stCondLst>
-                              <p:cond delay="12800"/>
+                              <p:cond delay="13850"/>
                             </p:stCondLst>
                             <p:childTnLst>
                               <p:par>
-                                <p:cTn id="58" presetID="10" presetClass="entr" presetSubtype="0" fill="hold" nodeType="afterEffect">
+                                <p:cTn id="53" presetID="10" presetClass="entr" presetSubtype="0" fill="hold" nodeType="afterEffect">
                                   <p:stCondLst>
                                     <p:cond delay="0"/>
                                   </p:stCondLst>
@@ -12926,7 +12844,7 @@
                                   <p:childTnLst>
                                     <p:set>
                                       <p:cBhvr>
-                                        <p:cTn id="59" dur="1" fill="hold">
+                                        <p:cTn id="54" dur="1" fill="hold">
                                           <p:stCondLst>
                                             <p:cond delay="0"/>
                                           </p:stCondLst>
@@ -12948,7 +12866,7 @@
                                     </p:set>
                                     <p:animEffect transition="in" filter="fade">
                                       <p:cBhvr>
-                                        <p:cTn id="60" dur="500"/>
+                                        <p:cTn id="55" dur="500"/>
                                         <p:tgtEl>
                                           <p:spTgt spid="2">
                                             <p:txEl>
@@ -12965,13 +12883,13 @@
                           </p:cTn>
                         </p:par>
                         <p:par>
-                          <p:cTn id="61" fill="hold">
+                          <p:cTn id="56" fill="hold">
                             <p:stCondLst>
-                              <p:cond delay="13300"/>
+                              <p:cond delay="14350"/>
                             </p:stCondLst>
                             <p:childTnLst>
                               <p:par>
-                                <p:cTn id="62" presetID="10" presetClass="entr" presetSubtype="0" fill="hold" nodeType="afterEffect">
+                                <p:cTn id="57" presetID="10" presetClass="entr" presetSubtype="0" fill="hold" nodeType="afterEffect">
                                   <p:stCondLst>
                                     <p:cond delay="0"/>
                                   </p:stCondLst>
@@ -12981,7 +12899,7 @@
                                   <p:childTnLst>
                                     <p:set>
                                       <p:cBhvr>
-                                        <p:cTn id="63" dur="1" fill="hold">
+                                        <p:cTn id="58" dur="1" fill="hold">
                                           <p:stCondLst>
                                             <p:cond delay="0"/>
                                           </p:stCondLst>
@@ -13003,7 +12921,7 @@
                                     </p:set>
                                     <p:animEffect transition="in" filter="fade">
                                       <p:cBhvr>
-                                        <p:cTn id="64" dur="500"/>
+                                        <p:cTn id="59" dur="500"/>
                                         <p:tgtEl>
                                           <p:spTgt spid="2">
                                             <p:txEl>
@@ -16214,31 +16132,6 @@
           </a:p>
         </p:txBody>
       </p:sp>
-      <p:pic>
-        <p:nvPicPr>
-          <p:cNvPr id="7" name="Picture 6" descr="Simple if"/>
-          <p:cNvPicPr>
-            <a:picLocks noChangeAspect="1"/>
-          </p:cNvPicPr>
-          <p:nvPr/>
-        </p:nvPicPr>
-        <p:blipFill>
-          <a:blip r:embed="rId1"/>
-          <a:srcRect l="3914" t="6901" r="3683" b="6309"/>
-          <a:stretch>
-            <a:fillRect/>
-          </a:stretch>
-        </p:blipFill>
-        <p:spPr>
-          <a:xfrm>
-            <a:off x="2276475" y="1198880"/>
-            <a:ext cx="6572885" cy="3326130"/>
-          </a:xfrm>
-          <a:prstGeom prst="rect">
-            <a:avLst/>
-          </a:prstGeom>
-        </p:spPr>
-      </p:pic>
       <p:sp>
         <p:nvSpPr>
           <p:cNvPr id="460" name="Google Shape;460;p27"/>
@@ -16289,6 +16182,35 @@
           </a:p>
         </p:txBody>
       </p:sp>
+      <p:pic>
+        <p:nvPicPr>
+          <p:cNvPr id="2" name="Picture 1"/>
+          <p:cNvPicPr>
+            <a:picLocks noChangeAspect="1"/>
+          </p:cNvPicPr>
+          <p:nvPr>
+            <p:custDataLst>
+              <p:tags r:id="rId1"/>
+            </p:custDataLst>
+          </p:nvPr>
+        </p:nvPicPr>
+        <p:blipFill>
+          <a:blip r:embed="rId2"/>
+          <a:srcRect l="4866" t="7766" r="4465" b="8223"/>
+          <a:stretch>
+            <a:fillRect/>
+          </a:stretch>
+        </p:blipFill>
+        <p:spPr>
+          <a:xfrm>
+            <a:off x="1836420" y="1303020"/>
+            <a:ext cx="6374765" cy="2929890"/>
+          </a:xfrm>
+          <a:prstGeom prst="rect">
+            <a:avLst/>
+          </a:prstGeom>
+        </p:spPr>
+      </p:pic>
     </p:spTree>
   </p:cSld>
   <p:clrMapOvr>
@@ -16354,59 +16276,6 @@
                                               <p:pRg st="0" end="0"/>
                                             </p:txEl>
                                           </p:spTgt>
-                                        </p:tgtEl>
-                                      </p:cBhvr>
-                                    </p:animEffect>
-                                  </p:childTnLst>
-                                </p:cTn>
-                              </p:par>
-                            </p:childTnLst>
-                          </p:cTn>
-                        </p:par>
-                      </p:childTnLst>
-                    </p:cTn>
-                  </p:par>
-                  <p:par>
-                    <p:cTn id="8" fill="hold">
-                      <p:stCondLst>
-                        <p:cond delay="indefinite"/>
-                      </p:stCondLst>
-                      <p:childTnLst>
-                        <p:par>
-                          <p:cTn id="9" fill="hold">
-                            <p:stCondLst>
-                              <p:cond delay="0"/>
-                            </p:stCondLst>
-                            <p:childTnLst>
-                              <p:par>
-                                <p:cTn id="10" presetID="10" presetClass="entr" presetSubtype="0" fill="hold" nodeType="clickEffect">
-                                  <p:stCondLst>
-                                    <p:cond delay="0"/>
-                                  </p:stCondLst>
-                                  <p:childTnLst>
-                                    <p:set>
-                                      <p:cBhvr>
-                                        <p:cTn id="11" dur="1" fill="hold">
-                                          <p:stCondLst>
-                                            <p:cond delay="0"/>
-                                          </p:stCondLst>
-                                        </p:cTn>
-                                        <p:tgtEl>
-                                          <p:spTgt spid="7"/>
-                                        </p:tgtEl>
-                                        <p:attrNameLst>
-                                          <p:attrName>style.visibility</p:attrName>
-                                        </p:attrNameLst>
-                                      </p:cBhvr>
-                                      <p:to>
-                                        <p:strVal val="visible"/>
-                                      </p:to>
-                                    </p:set>
-                                    <p:animEffect transition="in" filter="fade">
-                                      <p:cBhvr>
-                                        <p:cTn id="12" dur="500"/>
-                                        <p:tgtEl>
-                                          <p:spTgt spid="7"/>
                                         </p:tgtEl>
                                       </p:cBhvr>
                                     </p:animEffect>
@@ -18005,31 +17874,6 @@
           </a:p>
         </p:txBody>
       </p:sp>
-      <p:pic>
-        <p:nvPicPr>
-          <p:cNvPr id="2" name="Picture 1" descr="if else"/>
-          <p:cNvPicPr>
-            <a:picLocks noChangeAspect="1"/>
-          </p:cNvPicPr>
-          <p:nvPr/>
-        </p:nvPicPr>
-        <p:blipFill>
-          <a:blip r:embed="rId1"/>
-          <a:srcRect l="4382" t="7359" r="4005" b="6297"/>
-          <a:stretch>
-            <a:fillRect/>
-          </a:stretch>
-        </p:blipFill>
-        <p:spPr>
-          <a:xfrm>
-            <a:off x="1950720" y="1026160"/>
-            <a:ext cx="5554980" cy="3490595"/>
-          </a:xfrm>
-          <a:prstGeom prst="rect">
-            <a:avLst/>
-          </a:prstGeom>
-        </p:spPr>
-      </p:pic>
       <p:sp>
         <p:nvSpPr>
           <p:cNvPr id="460" name="Google Shape;460;p27"/>
@@ -18080,6 +17924,35 @@
           </a:p>
         </p:txBody>
       </p:sp>
+      <p:pic>
+        <p:nvPicPr>
+          <p:cNvPr id="6" name="Picture 5"/>
+          <p:cNvPicPr>
+            <a:picLocks noChangeAspect="1"/>
+          </p:cNvPicPr>
+          <p:nvPr>
+            <p:custDataLst>
+              <p:tags r:id="rId1"/>
+            </p:custDataLst>
+          </p:nvPr>
+        </p:nvPicPr>
+        <p:blipFill>
+          <a:blip r:embed="rId2"/>
+          <a:srcRect l="5859" t="7804" r="5550" b="6558"/>
+          <a:stretch>
+            <a:fillRect/>
+          </a:stretch>
+        </p:blipFill>
+        <p:spPr>
+          <a:xfrm>
+            <a:off x="1677035" y="1179195"/>
+            <a:ext cx="6504940" cy="3221355"/>
+          </a:xfrm>
+          <a:prstGeom prst="rect">
+            <a:avLst/>
+          </a:prstGeom>
+        </p:spPr>
+      </p:pic>
     </p:spTree>
   </p:cSld>
   <p:clrMapOvr>
@@ -18145,50 +18018,6 @@
                                               <p:pRg st="0" end="0"/>
                                             </p:txEl>
                                           </p:spTgt>
-                                        </p:tgtEl>
-                                      </p:cBhvr>
-                                    </p:animEffect>
-                                  </p:childTnLst>
-                                </p:cTn>
-                              </p:par>
-                            </p:childTnLst>
-                          </p:cTn>
-                        </p:par>
-                        <p:par>
-                          <p:cTn id="8" fill="hold">
-                            <p:stCondLst>
-                              <p:cond delay="1350"/>
-                            </p:stCondLst>
-                            <p:childTnLst>
-                              <p:par>
-                                <p:cTn id="9" presetID="10" presetClass="entr" presetSubtype="0" fill="hold" nodeType="afterEffect">
-                                  <p:stCondLst>
-                                    <p:cond delay="0"/>
-                                  </p:stCondLst>
-                                  <p:childTnLst>
-                                    <p:set>
-                                      <p:cBhvr>
-                                        <p:cTn id="10" dur="1" fill="hold">
-                                          <p:stCondLst>
-                                            <p:cond delay="0"/>
-                                          </p:stCondLst>
-                                        </p:cTn>
-                                        <p:tgtEl>
-                                          <p:spTgt spid="2"/>
-                                        </p:tgtEl>
-                                        <p:attrNameLst>
-                                          <p:attrName>style.visibility</p:attrName>
-                                        </p:attrNameLst>
-                                      </p:cBhvr>
-                                      <p:to>
-                                        <p:strVal val="visible"/>
-                                      </p:to>
-                                    </p:set>
-                                    <p:animEffect transition="in" filter="fade">
-                                      <p:cBhvr>
-                                        <p:cTn id="11" dur="500"/>
-                                        <p:tgtEl>
-                                          <p:spTgt spid="2"/>
                                         </p:tgtEl>
                                       </p:cBhvr>
                                     </p:animEffect>
@@ -20177,6 +20006,30 @@
 </p:sld>
 </file>
 
+<file path=ppt/tags/tag1.xml><?xml version="1.0" encoding="utf-8"?>
+<p:tagLst xmlns:p="http://schemas.openxmlformats.org/presentationml/2006/main">
+  <p:tag name="KSO_WM_BEAUTIFY_FLAG" val=""/>
+</p:tagLst>
+</file>
+
+<file path=ppt/tags/tag2.xml><?xml version="1.0" encoding="utf-8"?>
+<p:tagLst xmlns:p="http://schemas.openxmlformats.org/presentationml/2006/main">
+  <p:tag name="KSO_WM_BEAUTIFY_FLAG" val=""/>
+</p:tagLst>
+</file>
+
+<file path=ppt/tags/tag3.xml><?xml version="1.0" encoding="utf-8"?>
+<p:tagLst xmlns:p="http://schemas.openxmlformats.org/presentationml/2006/main">
+  <p:tag name="KSO_WM_BEAUTIFY_FLAG" val=""/>
+</p:tagLst>
+</file>
+
+<file path=ppt/tags/tag4.xml><?xml version="1.0" encoding="utf-8"?>
+<p:tagLst xmlns:p="http://schemas.openxmlformats.org/presentationml/2006/main">
+  <p:tag name="KSO_WM_BEAUTIFY_FLAG" val=""/>
+</p:tagLst>
+</file>
+
 <file path=ppt/theme/theme1.xml><?xml version="1.0" encoding="utf-8"?>
 <a:theme xmlns:a="http://schemas.openxmlformats.org/drawingml/2006/main" name="Programming Language Workshop for Beginners by Slidesgo">
   <a:themeElements>
